--- a/181-15-1815.pptx
+++ b/181-15-1815.pptx
@@ -687,9 +687,8 @@
               </a:rPr>
               <a:t>https://github.com/IsmailTitas1815/W.E-Lab-Final</a:t>
             </a:r>
-            <a:endParaRPr lang="en-US" sz="2800" b="1" dirty="0">
+            <a:endParaRPr lang="en-US" sz="2800" b="1" dirty="0" smtClean="0">
               <a:latin typeface="Segoe UI"/>
-              <a:hlinkClick r:id="rId2"/>
             </a:endParaRPr>
           </a:p>
         </p:txBody>
